--- a/Piece.of.Eden.rentals.pptx
+++ b/Piece.of.Eden.rentals.pptx
@@ -110,6 +110,22 @@
       </a:defRPr>
     </a:lvl9pPr>
   </p:defaultTextStyle>
+  <p:extLst>
+    <p:ext uri="{EFAFB233-063F-42B5-8137-9DF3F51BA10A}">
+      <p15:sldGuideLst xmlns:p15="http://schemas.microsoft.com/office/powerpoint/2012/main">
+        <p15:guide id="1" orient="horz" pos="2160">
+          <p15:clr>
+            <a:srgbClr val="A4A3A4"/>
+          </p15:clr>
+        </p15:guide>
+        <p15:guide id="2" pos="2880">
+          <p15:clr>
+            <a:srgbClr val="A4A3A4"/>
+          </p15:clr>
+        </p15:guide>
+      </p15:sldGuideLst>
+    </p:ext>
+  </p:extLst>
 </p:presentation>
 </file>
 
@@ -581,7 +597,7 @@
           <a:p>
             <a:fld id="{30062F4E-9E6B-44DD-A174-96575161A5D1}" type="datetimeFigureOut">
               <a:rPr lang="en-US" smtClean="0"/>
-              <a:t>3/7/2016</a:t>
+              <a:t>3/8/2016</a:t>
             </a:fld>
             <a:endParaRPr lang="en-US"/>
           </a:p>
@@ -746,7 +762,7 @@
           <a:p>
             <a:fld id="{30062F4E-9E6B-44DD-A174-96575161A5D1}" type="datetimeFigureOut">
               <a:rPr lang="en-US" smtClean="0"/>
-              <a:t>3/7/2016</a:t>
+              <a:t>3/8/2016</a:t>
             </a:fld>
             <a:endParaRPr lang="en-US"/>
           </a:p>
@@ -921,7 +937,7 @@
           <a:p>
             <a:fld id="{30062F4E-9E6B-44DD-A174-96575161A5D1}" type="datetimeFigureOut">
               <a:rPr lang="en-US" smtClean="0"/>
-              <a:t>3/7/2016</a:t>
+              <a:t>3/8/2016</a:t>
             </a:fld>
             <a:endParaRPr lang="en-US"/>
           </a:p>
@@ -1086,7 +1102,7 @@
           <a:p>
             <a:fld id="{30062F4E-9E6B-44DD-A174-96575161A5D1}" type="datetimeFigureOut">
               <a:rPr lang="en-US" smtClean="0"/>
-              <a:t>3/7/2016</a:t>
+              <a:t>3/8/2016</a:t>
             </a:fld>
             <a:endParaRPr lang="en-US"/>
           </a:p>
@@ -1639,7 +1655,7 @@
           <a:p>
             <a:fld id="{30062F4E-9E6B-44DD-A174-96575161A5D1}" type="datetimeFigureOut">
               <a:rPr lang="en-US" smtClean="0"/>
-              <a:t>3/7/2016</a:t>
+              <a:t>3/8/2016</a:t>
             </a:fld>
             <a:endParaRPr lang="en-US"/>
           </a:p>
@@ -1899,7 +1915,7 @@
           <a:p>
             <a:fld id="{30062F4E-9E6B-44DD-A174-96575161A5D1}" type="datetimeFigureOut">
               <a:rPr lang="en-US" smtClean="0"/>
-              <a:t>3/7/2016</a:t>
+              <a:t>3/8/2016</a:t>
             </a:fld>
             <a:endParaRPr lang="en-US"/>
           </a:p>
@@ -2387,7 +2403,7 @@
           <a:p>
             <a:fld id="{30062F4E-9E6B-44DD-A174-96575161A5D1}" type="datetimeFigureOut">
               <a:rPr lang="en-US" smtClean="0"/>
-              <a:t>3/7/2016</a:t>
+              <a:t>3/8/2016</a:t>
             </a:fld>
             <a:endParaRPr lang="en-US"/>
           </a:p>
@@ -2500,7 +2516,7 @@
           <a:p>
             <a:fld id="{30062F4E-9E6B-44DD-A174-96575161A5D1}" type="datetimeFigureOut">
               <a:rPr lang="en-US" smtClean="0"/>
-              <a:t>3/7/2016</a:t>
+              <a:t>3/8/2016</a:t>
             </a:fld>
             <a:endParaRPr lang="en-US"/>
           </a:p>
@@ -2590,7 +2606,7 @@
           <a:p>
             <a:fld id="{30062F4E-9E6B-44DD-A174-96575161A5D1}" type="datetimeFigureOut">
               <a:rPr lang="en-US" smtClean="0"/>
-              <a:t>3/7/2016</a:t>
+              <a:t>3/8/2016</a:t>
             </a:fld>
             <a:endParaRPr lang="en-US"/>
           </a:p>
@@ -3020,7 +3036,7 @@
           <a:p>
             <a:fld id="{30062F4E-9E6B-44DD-A174-96575161A5D1}" type="datetimeFigureOut">
               <a:rPr lang="en-US" smtClean="0"/>
-              <a:t>3/7/2016</a:t>
+              <a:t>3/8/2016</a:t>
             </a:fld>
             <a:endParaRPr lang="en-US"/>
           </a:p>
@@ -3553,7 +3569,7 @@
           <a:p>
             <a:fld id="{30062F4E-9E6B-44DD-A174-96575161A5D1}" type="datetimeFigureOut">
               <a:rPr lang="en-US" smtClean="0"/>
-              <a:t>3/7/2016</a:t>
+              <a:t>3/8/2016</a:t>
             </a:fld>
             <a:endParaRPr lang="en-US"/>
           </a:p>
@@ -4393,7 +4409,7 @@
           <a:p>
             <a:fld id="{30062F4E-9E6B-44DD-A174-96575161A5D1}" type="datetimeFigureOut">
               <a:rPr lang="en-US" smtClean="0"/>
-              <a:t>3/7/2016</a:t>
+              <a:t>3/8/2016</a:t>
             </a:fld>
             <a:endParaRPr lang="en-US"/>
           </a:p>
@@ -4861,12 +4877,12 @@
               <a:t>, </a:t>
             </a:r>
             <a:r>
-              <a:rPr lang="en-US" dirty="0" err="1" smtClean="0"/>
-              <a:t>mattew</a:t>
-            </a:r>
-            <a:r>
               <a:rPr lang="en-US" dirty="0" smtClean="0"/>
-              <a:t> walker</a:t>
+              <a:t>Matthew </a:t>
+            </a:r>
+            <a:r>
+              <a:rPr lang="en-US" dirty="0" smtClean="0"/>
+              <a:t>walker</a:t>
             </a:r>
             <a:endParaRPr lang="en-US" dirty="0"/>
           </a:p>
